--- a/演示图/演示与分析.pptx
+++ b/演示图/演示与分析.pptx
@@ -8326,10 +8326,10 @@
       </p:sp>
       <p:sp>
         <p:nvSpPr>
-          <p:cNvPr id="32" name="文本框 31">
-            <a:extLst>
-              <a:ext uri="{FF2B5EF4-FFF2-40B4-BE49-F238E27FC236}">
-                <a16:creationId xmlns:a16="http://schemas.microsoft.com/office/drawing/2014/main" id="{A72C200E-2E21-4112-8F2E-79C1A1EB92E5}"/>
+          <p:cNvPr id="6" name="文本框 5">
+            <a:extLst>
+              <a:ext uri="{FF2B5EF4-FFF2-40B4-BE49-F238E27FC236}">
+                <a16:creationId xmlns:a16="http://schemas.microsoft.com/office/drawing/2014/main" id="{7649CB0F-FF10-457A-B923-C3F0E7867057}"/>
               </a:ext>
             </a:extLst>
           </p:cNvPr>
@@ -8338,8 +8338,8 @@
         </p:nvSpPr>
         <p:spPr>
           <a:xfrm>
-            <a:off x="1798527" y="2851993"/>
-            <a:ext cx="3119184" cy="369332"/>
+            <a:off x="1898051" y="2922015"/>
+            <a:ext cx="2595775" cy="369332"/>
           </a:xfrm>
           <a:prstGeom prst="rect">
             <a:avLst/>
@@ -8347,14 +8347,14 @@
           <a:noFill/>
         </p:spPr>
         <p:txBody>
-          <a:bodyPr wrap="square">
+          <a:bodyPr wrap="none" rtlCol="0">
             <a:spAutoFit/>
           </a:bodyPr>
           <a:lstStyle/>
           <a:p>
             <a:r>
               <a:rPr lang="zh-CN" altLang="en-US"/>
-              <a:t>上边的盒子，有</a:t>
+              <a:t>上面的盒子有</a:t>
             </a:r>
             <a:r>
               <a:rPr lang="en-US" altLang="zh-CN"/>

--- a/演示图/演示与分析.pptx
+++ b/演示图/演示与分析.pptx
@@ -204,7 +204,7 @@
           <a:p>
             <a:fld id="{96888E76-1E8A-4E49-96FA-0F7784C8199A}" type="datetimeFigureOut">
               <a:rPr lang="zh-CN" altLang="en-US" smtClean="0"/>
-              <a:t>2020/9/23</a:t>
+              <a:t>2020/9/24</a:t>
             </a:fld>
             <a:endParaRPr lang="zh-CN" altLang="en-US"/>
           </a:p>
@@ -770,7 +770,7 @@
           <a:p>
             <a:fld id="{1CF44919-0BBC-495A-B16F-388A477966CA}" type="datetimeFigureOut">
               <a:rPr lang="zh-CN" altLang="en-US" smtClean="0"/>
-              <a:t>2020/9/23</a:t>
+              <a:t>2020/9/24</a:t>
             </a:fld>
             <a:endParaRPr lang="zh-CN" altLang="en-US"/>
           </a:p>
@@ -940,7 +940,7 @@
           <a:p>
             <a:fld id="{1CF44919-0BBC-495A-B16F-388A477966CA}" type="datetimeFigureOut">
               <a:rPr lang="zh-CN" altLang="en-US" smtClean="0"/>
-              <a:t>2020/9/23</a:t>
+              <a:t>2020/9/24</a:t>
             </a:fld>
             <a:endParaRPr lang="zh-CN" altLang="en-US"/>
           </a:p>
@@ -1120,7 +1120,7 @@
           <a:p>
             <a:fld id="{1CF44919-0BBC-495A-B16F-388A477966CA}" type="datetimeFigureOut">
               <a:rPr lang="zh-CN" altLang="en-US" smtClean="0"/>
-              <a:t>2020/9/23</a:t>
+              <a:t>2020/9/24</a:t>
             </a:fld>
             <a:endParaRPr lang="zh-CN" altLang="en-US"/>
           </a:p>
@@ -1290,7 +1290,7 @@
           <a:p>
             <a:fld id="{1CF44919-0BBC-495A-B16F-388A477966CA}" type="datetimeFigureOut">
               <a:rPr lang="zh-CN" altLang="en-US" smtClean="0"/>
-              <a:t>2020/9/23</a:t>
+              <a:t>2020/9/24</a:t>
             </a:fld>
             <a:endParaRPr lang="zh-CN" altLang="en-US"/>
           </a:p>
@@ -1536,7 +1536,7 @@
           <a:p>
             <a:fld id="{1CF44919-0BBC-495A-B16F-388A477966CA}" type="datetimeFigureOut">
               <a:rPr lang="zh-CN" altLang="en-US" smtClean="0"/>
-              <a:t>2020/9/23</a:t>
+              <a:t>2020/9/24</a:t>
             </a:fld>
             <a:endParaRPr lang="zh-CN" altLang="en-US"/>
           </a:p>
@@ -1768,7 +1768,7 @@
           <a:p>
             <a:fld id="{1CF44919-0BBC-495A-B16F-388A477966CA}" type="datetimeFigureOut">
               <a:rPr lang="zh-CN" altLang="en-US" smtClean="0"/>
-              <a:t>2020/9/23</a:t>
+              <a:t>2020/9/24</a:t>
             </a:fld>
             <a:endParaRPr lang="zh-CN" altLang="en-US"/>
           </a:p>
@@ -2135,7 +2135,7 @@
           <a:p>
             <a:fld id="{1CF44919-0BBC-495A-B16F-388A477966CA}" type="datetimeFigureOut">
               <a:rPr lang="zh-CN" altLang="en-US" smtClean="0"/>
-              <a:t>2020/9/23</a:t>
+              <a:t>2020/9/24</a:t>
             </a:fld>
             <a:endParaRPr lang="zh-CN" altLang="en-US"/>
           </a:p>
@@ -2253,7 +2253,7 @@
           <a:p>
             <a:fld id="{1CF44919-0BBC-495A-B16F-388A477966CA}" type="datetimeFigureOut">
               <a:rPr lang="zh-CN" altLang="en-US" smtClean="0"/>
-              <a:t>2020/9/23</a:t>
+              <a:t>2020/9/24</a:t>
             </a:fld>
             <a:endParaRPr lang="zh-CN" altLang="en-US"/>
           </a:p>
@@ -2348,7 +2348,7 @@
           <a:p>
             <a:fld id="{1CF44919-0BBC-495A-B16F-388A477966CA}" type="datetimeFigureOut">
               <a:rPr lang="zh-CN" altLang="en-US" smtClean="0"/>
-              <a:t>2020/9/23</a:t>
+              <a:t>2020/9/24</a:t>
             </a:fld>
             <a:endParaRPr lang="zh-CN" altLang="en-US"/>
           </a:p>
@@ -2625,7 +2625,7 @@
           <a:p>
             <a:fld id="{1CF44919-0BBC-495A-B16F-388A477966CA}" type="datetimeFigureOut">
               <a:rPr lang="zh-CN" altLang="en-US" smtClean="0"/>
-              <a:t>2020/9/23</a:t>
+              <a:t>2020/9/24</a:t>
             </a:fld>
             <a:endParaRPr lang="zh-CN" altLang="en-US"/>
           </a:p>
@@ -2882,7 +2882,7 @@
           <a:p>
             <a:fld id="{1CF44919-0BBC-495A-B16F-388A477966CA}" type="datetimeFigureOut">
               <a:rPr lang="zh-CN" altLang="en-US" smtClean="0"/>
-              <a:t>2020/9/23</a:t>
+              <a:t>2020/9/24</a:t>
             </a:fld>
             <a:endParaRPr lang="zh-CN" altLang="en-US"/>
           </a:p>
@@ -3095,7 +3095,7 @@
           <a:p>
             <a:fld id="{1CF44919-0BBC-495A-B16F-388A477966CA}" type="datetimeFigureOut">
               <a:rPr lang="zh-CN" altLang="en-US" smtClean="0"/>
-              <a:t>2020/9/23</a:t>
+              <a:t>2020/9/24</a:t>
             </a:fld>
             <a:endParaRPr lang="zh-CN" altLang="en-US"/>
           </a:p>
@@ -3514,8 +3514,8 @@
         </p:nvSpPr>
         <p:spPr>
           <a:xfrm>
-            <a:off x="4822176" y="1359170"/>
-            <a:ext cx="1061265" cy="1672788"/>
+            <a:off x="587058" y="953159"/>
+            <a:ext cx="1085332" cy="1714786"/>
           </a:xfrm>
           <a:prstGeom prst="rect">
             <a:avLst/>
@@ -3580,7 +3580,7 @@
         </p:blipFill>
         <p:spPr>
           <a:xfrm>
-            <a:off x="2662181" y="173970"/>
+            <a:off x="1761057" y="865698"/>
             <a:ext cx="1892097" cy="2647523"/>
           </a:xfrm>
           <a:prstGeom prst="rect">
@@ -4197,7 +4197,7 @@
         </p:blipFill>
         <p:spPr>
           <a:xfrm>
-            <a:off x="3834708" y="343701"/>
+            <a:off x="4553729" y="287735"/>
             <a:ext cx="2204722" cy="4348922"/>
           </a:xfrm>
           <a:prstGeom prst="rect">
@@ -4311,7 +4311,7 @@
         </p:nvSpPr>
         <p:spPr>
           <a:xfrm>
-            <a:off x="4669207" y="4692623"/>
+            <a:off x="5344617" y="4572307"/>
             <a:ext cx="535724" cy="369332"/>
           </a:xfrm>
           <a:prstGeom prst="rect">
@@ -4435,7 +4435,7 @@
         </p:nvSpPr>
         <p:spPr>
           <a:xfrm>
-            <a:off x="4093327" y="977745"/>
+            <a:off x="4768737" y="857429"/>
             <a:ext cx="1741989" cy="3112992"/>
           </a:xfrm>
           <a:prstGeom prst="rect">
@@ -4585,7 +4585,7 @@
         </p:nvSpPr>
         <p:spPr>
           <a:xfrm>
-            <a:off x="4093326" y="1003466"/>
+            <a:off x="4768736" y="883150"/>
             <a:ext cx="1741990" cy="806116"/>
           </a:xfrm>
           <a:prstGeom prst="rect">
@@ -5308,7 +5308,7 @@
         </p:blipFill>
         <p:spPr>
           <a:xfrm>
-            <a:off x="3944765" y="980756"/>
+            <a:off x="3330103" y="1136240"/>
             <a:ext cx="3095350" cy="5877244"/>
           </a:xfrm>
           <a:prstGeom prst="rect">
@@ -5354,7 +5354,7 @@
         </p:blipFill>
         <p:spPr>
           <a:xfrm>
-            <a:off x="971190" y="1811555"/>
+            <a:off x="356528" y="1967039"/>
             <a:ext cx="2204722" cy="4348922"/>
           </a:xfrm>
           <a:prstGeom prst="rect">
@@ -5386,7 +5386,7 @@
         </p:nvSpPr>
         <p:spPr>
           <a:xfrm>
-            <a:off x="1298774" y="2781593"/>
+            <a:off x="684112" y="2937077"/>
             <a:ext cx="1549553" cy="825763"/>
           </a:xfrm>
           <a:prstGeom prst="rect">
@@ -5440,7 +5440,7 @@
         </p:nvCxnSpPr>
         <p:spPr>
           <a:xfrm>
-            <a:off x="1298774" y="2965359"/>
+            <a:off x="684112" y="3120843"/>
             <a:ext cx="1549553" cy="0"/>
           </a:xfrm>
           <a:prstGeom prst="straightConnector1">
@@ -5483,7 +5483,7 @@
         </p:nvSpPr>
         <p:spPr>
           <a:xfrm>
-            <a:off x="1760339" y="2803143"/>
+            <a:off x="1145677" y="2958627"/>
             <a:ext cx="840500" cy="338554"/>
           </a:xfrm>
           <a:prstGeom prst="rect">
@@ -5519,8 +5519,8 @@
         </p:nvSpPr>
         <p:spPr>
           <a:xfrm>
-            <a:off x="1269817" y="1489710"/>
-            <a:ext cx="1107996" cy="369332"/>
+            <a:off x="655155" y="1645194"/>
+            <a:ext cx="1684115" cy="369332"/>
           </a:xfrm>
           <a:prstGeom prst="rect">
             <a:avLst/>
@@ -5537,6 +5537,11 @@
               <a:rPr lang="zh-CN" altLang="en-US" b="1"/>
               <a:t>根字体：</a:t>
             </a:r>
+            <a:r>
+              <a:rPr lang="en-US" altLang="zh-CN" b="1"/>
+              <a:t>100px</a:t>
+            </a:r>
+            <a:endParaRPr lang="zh-CN" altLang="en-US" b="1"/>
           </a:p>
         </p:txBody>
       </p:sp>
@@ -5556,7 +5561,7 @@
         </p:nvCxnSpPr>
         <p:spPr>
           <a:xfrm>
-            <a:off x="1171927" y="2499033"/>
+            <a:off x="557265" y="2654517"/>
             <a:ext cx="1806718" cy="0"/>
           </a:xfrm>
           <a:prstGeom prst="straightConnector1">
@@ -5599,7 +5604,7 @@
         </p:nvSpPr>
         <p:spPr>
           <a:xfrm>
-            <a:off x="1760068" y="2333814"/>
+            <a:off x="1145406" y="2489298"/>
             <a:ext cx="703614" cy="338554"/>
           </a:xfrm>
           <a:prstGeom prst="rect">
@@ -5635,7 +5640,7 @@
         </p:nvSpPr>
         <p:spPr>
           <a:xfrm>
-            <a:off x="4392491" y="2100259"/>
+            <a:off x="3777829" y="2255743"/>
             <a:ext cx="2220298" cy="1220999"/>
           </a:xfrm>
           <a:prstGeom prst="rect">
@@ -5689,7 +5694,7 @@
         </p:nvCxnSpPr>
         <p:spPr>
           <a:xfrm>
-            <a:off x="4382291" y="2402485"/>
+            <a:off x="3767629" y="2557969"/>
             <a:ext cx="2220298" cy="0"/>
           </a:xfrm>
           <a:prstGeom prst="straightConnector1">
@@ -5734,7 +5739,7 @@
         </p:nvCxnSpPr>
         <p:spPr>
           <a:xfrm>
-            <a:off x="4271511" y="1847511"/>
+            <a:off x="3656849" y="2002995"/>
             <a:ext cx="2462258" cy="0"/>
           </a:xfrm>
           <a:prstGeom prst="straightConnector1">
@@ -5777,7 +5782,7 @@
         </p:nvSpPr>
         <p:spPr>
           <a:xfrm>
-            <a:off x="5213187" y="1694646"/>
+            <a:off x="4598525" y="1850130"/>
             <a:ext cx="703614" cy="338554"/>
           </a:xfrm>
           <a:prstGeom prst="rect">
@@ -5813,7 +5818,7 @@
         </p:nvSpPr>
         <p:spPr>
           <a:xfrm>
-            <a:off x="4341386" y="264782"/>
+            <a:off x="3726724" y="420266"/>
             <a:ext cx="2212465" cy="369332"/>
           </a:xfrm>
           <a:prstGeom prst="rect">
@@ -5940,7 +5945,7 @@
         </p:nvSpPr>
         <p:spPr>
           <a:xfrm>
-            <a:off x="7609812" y="8130345"/>
+            <a:off x="7025864" y="2411239"/>
             <a:ext cx="5415715" cy="1877437"/>
           </a:xfrm>
           <a:prstGeom prst="rect">
@@ -6061,7 +6066,7 @@
         </p:nvSpPr>
         <p:spPr>
           <a:xfrm>
-            <a:off x="1237337" y="1142828"/>
+            <a:off x="622675" y="1298312"/>
             <a:ext cx="2212465" cy="369332"/>
           </a:xfrm>
           <a:prstGeom prst="rect">
@@ -6138,8 +6143,8 @@
         </p:nvSpPr>
         <p:spPr>
           <a:xfrm>
-            <a:off x="4722936" y="602313"/>
-            <a:ext cx="1800493" cy="369332"/>
+            <a:off x="4108274" y="757797"/>
+            <a:ext cx="1862048" cy="369332"/>
           </a:xfrm>
           <a:prstGeom prst="rect">
             <a:avLst/>
@@ -6154,8 +6159,85 @@
           <a:p>
             <a:r>
               <a:rPr lang="zh-CN" altLang="en-US" b="1"/>
-              <a:t>根字体：？？？</a:t>
-            </a:r>
+              <a:t>根字体：</a:t>
+            </a:r>
+            <a:r>
+              <a:rPr lang="en-US" altLang="zh-CN" b="1"/>
+              <a:t>110.4‬px</a:t>
+            </a:r>
+            <a:endParaRPr lang="zh-CN" altLang="en-US" b="1"/>
+          </a:p>
+        </p:txBody>
+      </p:sp>
+      <p:sp>
+        <p:nvSpPr>
+          <p:cNvPr id="10" name="文本框 9">
+            <a:extLst>
+              <a:ext uri="{FF2B5EF4-FFF2-40B4-BE49-F238E27FC236}">
+                <a16:creationId xmlns:a16="http://schemas.microsoft.com/office/drawing/2014/main" id="{03C81D7D-5353-42D8-AD1B-376B5B16B95E}"/>
+              </a:ext>
+            </a:extLst>
+          </p:cNvPr>
+          <p:cNvSpPr txBox="1"/>
+          <p:nvPr/>
+        </p:nvSpPr>
+        <p:spPr>
+          <a:xfrm>
+            <a:off x="1018472" y="3260149"/>
+            <a:ext cx="1031767" cy="338554"/>
+          </a:xfrm>
+          <a:prstGeom prst="rect">
+            <a:avLst/>
+          </a:prstGeom>
+          <a:noFill/>
+        </p:spPr>
+        <p:txBody>
+          <a:bodyPr wrap="square" rtlCol="0">
+            <a:spAutoFit/>
+          </a:bodyPr>
+          <a:lstStyle/>
+          <a:p>
+            <a:r>
+              <a:rPr lang="en-US" altLang="zh-CN" sz="1600" b="1"/>
+              <a:t>3.45rem</a:t>
+            </a:r>
+            <a:endParaRPr lang="zh-CN" altLang="en-US" sz="1600" b="1"/>
+          </a:p>
+        </p:txBody>
+      </p:sp>
+      <p:sp>
+        <p:nvSpPr>
+          <p:cNvPr id="11" name="文本框 10">
+            <a:extLst>
+              <a:ext uri="{FF2B5EF4-FFF2-40B4-BE49-F238E27FC236}">
+                <a16:creationId xmlns:a16="http://schemas.microsoft.com/office/drawing/2014/main" id="{369D79DC-0F20-4F13-B3D2-9724E06F88D8}"/>
+              </a:ext>
+            </a:extLst>
+          </p:cNvPr>
+          <p:cNvSpPr txBox="1"/>
+          <p:nvPr/>
+        </p:nvSpPr>
+        <p:spPr>
+          <a:xfrm>
+            <a:off x="4523414" y="2654517"/>
+            <a:ext cx="1031767" cy="338554"/>
+          </a:xfrm>
+          <a:prstGeom prst="rect">
+            <a:avLst/>
+          </a:prstGeom>
+          <a:noFill/>
+        </p:spPr>
+        <p:txBody>
+          <a:bodyPr wrap="square" rtlCol="0">
+            <a:spAutoFit/>
+          </a:bodyPr>
+          <a:lstStyle/>
+          <a:p>
+            <a:r>
+              <a:rPr lang="en-US" altLang="zh-CN" sz="1600" b="1"/>
+              <a:t>3.45rem</a:t>
+            </a:r>
+            <a:endParaRPr lang="zh-CN" altLang="en-US" sz="1600" b="1"/>
           </a:p>
         </p:txBody>
       </p:sp>

--- a/演示图/演示与分析.pptx
+++ b/演示图/演示与分析.pptx
@@ -6510,8 +6510,8 @@
         </p:nvSpPr>
         <p:spPr>
           <a:xfrm>
-            <a:off x="965991" y="1571539"/>
-            <a:ext cx="1800493" cy="369332"/>
+            <a:off x="701609" y="1567301"/>
+            <a:ext cx="2425664" cy="369332"/>
           </a:xfrm>
           <a:prstGeom prst="rect">
             <a:avLst/>
@@ -6526,8 +6526,21 @@
           <a:p>
             <a:r>
               <a:rPr lang="zh-CN" altLang="en-US" b="1"/>
-              <a:t>根字体：？？？</a:t>
-            </a:r>
+              <a:t>根字体：</a:t>
+            </a:r>
+            <a:r>
+              <a:rPr lang="en-US" altLang="zh-CN" b="1"/>
+              <a:t>375/10</a:t>
+            </a:r>
+            <a:r>
+              <a:rPr lang="zh-CN" altLang="en-US" b="1"/>
+              <a:t> </a:t>
+            </a:r>
+            <a:r>
+              <a:rPr lang="en-US" altLang="zh-CN" b="1"/>
+              <a:t>= 37.5</a:t>
+            </a:r>
+            <a:endParaRPr lang="zh-CN" altLang="en-US" b="1"/>
           </a:p>
         </p:txBody>
       </p:sp>
@@ -6931,7 +6944,7 @@
         </p:nvSpPr>
         <p:spPr>
           <a:xfrm>
-            <a:off x="7798982" y="7467852"/>
+            <a:off x="7426003" y="3041461"/>
             <a:ext cx="3697638" cy="1631216"/>
           </a:xfrm>
           <a:prstGeom prst="rect">
@@ -7121,8 +7134,8 @@
         </p:nvSpPr>
         <p:spPr>
           <a:xfrm>
-            <a:off x="4631552" y="632837"/>
-            <a:ext cx="1800493" cy="369332"/>
+            <a:off x="4754283" y="626648"/>
+            <a:ext cx="1519968" cy="369332"/>
           </a:xfrm>
           <a:prstGeom prst="rect">
             <a:avLst/>
@@ -7137,8 +7150,101 @@
           <a:p>
             <a:r>
               <a:rPr lang="zh-CN" altLang="en-US" b="1"/>
-              <a:t>根字体：？？？</a:t>
-            </a:r>
+              <a:t>根字体：</a:t>
+            </a:r>
+            <a:r>
+              <a:rPr lang="en-US" altLang="zh-CN" b="1"/>
+              <a:t>41.4</a:t>
+            </a:r>
+            <a:endParaRPr lang="zh-CN" altLang="en-US" b="1"/>
+          </a:p>
+        </p:txBody>
+      </p:sp>
+      <p:sp>
+        <p:nvSpPr>
+          <p:cNvPr id="2" name="文本框 1">
+            <a:extLst>
+              <a:ext uri="{FF2B5EF4-FFF2-40B4-BE49-F238E27FC236}">
+                <a16:creationId xmlns:a16="http://schemas.microsoft.com/office/drawing/2014/main" id="{A0CBAEAC-C615-415F-B8D8-C38A22C6D584}"/>
+              </a:ext>
+            </a:extLst>
+          </p:cNvPr>
+          <p:cNvSpPr txBox="1"/>
+          <p:nvPr/>
+        </p:nvSpPr>
+        <p:spPr>
+          <a:xfrm>
+            <a:off x="1479475" y="3108497"/>
+            <a:ext cx="869932" cy="338554"/>
+          </a:xfrm>
+          <a:prstGeom prst="rect">
+            <a:avLst/>
+          </a:prstGeom>
+          <a:noFill/>
+        </p:spPr>
+        <p:txBody>
+          <a:bodyPr wrap="square" rtlCol="0">
+            <a:spAutoFit/>
+          </a:bodyPr>
+          <a:lstStyle/>
+          <a:p>
+            <a:r>
+              <a:rPr lang="en-US" altLang="zh-CN" sz="1600" b="1">
+                <a:highlight>
+                  <a:srgbClr val="C0C0C0"/>
+                </a:highlight>
+              </a:rPr>
+              <a:t>9.2rem</a:t>
+            </a:r>
+            <a:endParaRPr lang="zh-CN" altLang="en-US" sz="1600" b="1">
+              <a:highlight>
+                <a:srgbClr val="C0C0C0"/>
+              </a:highlight>
+            </a:endParaRPr>
+          </a:p>
+        </p:txBody>
+      </p:sp>
+      <p:sp>
+        <p:nvSpPr>
+          <p:cNvPr id="3" name="文本框 2">
+            <a:extLst>
+              <a:ext uri="{FF2B5EF4-FFF2-40B4-BE49-F238E27FC236}">
+                <a16:creationId xmlns:a16="http://schemas.microsoft.com/office/drawing/2014/main" id="{9B1F5BBA-A73C-4B4A-8A44-4721411DF3D1}"/>
+              </a:ext>
+            </a:extLst>
+          </p:cNvPr>
+          <p:cNvSpPr txBox="1"/>
+          <p:nvPr/>
+        </p:nvSpPr>
+        <p:spPr>
+          <a:xfrm>
+            <a:off x="5172933" y="2420347"/>
+            <a:ext cx="869932" cy="338554"/>
+          </a:xfrm>
+          <a:prstGeom prst="rect">
+            <a:avLst/>
+          </a:prstGeom>
+          <a:noFill/>
+        </p:spPr>
+        <p:txBody>
+          <a:bodyPr wrap="square" rtlCol="0">
+            <a:spAutoFit/>
+          </a:bodyPr>
+          <a:lstStyle/>
+          <a:p>
+            <a:r>
+              <a:rPr lang="en-US" altLang="zh-CN" sz="1600" b="1">
+                <a:highlight>
+                  <a:srgbClr val="C0C0C0"/>
+                </a:highlight>
+              </a:rPr>
+              <a:t>9.2rem</a:t>
+            </a:r>
+            <a:endParaRPr lang="zh-CN" altLang="en-US" sz="1600" b="1">
+              <a:highlight>
+                <a:srgbClr val="C0C0C0"/>
+              </a:highlight>
+            </a:endParaRPr>
           </a:p>
         </p:txBody>
       </p:sp>

--- a/演示图/演示与分析.pptx
+++ b/演示图/演示与分析.pptx
@@ -3500,58 +3500,6 @@
           <a:chExt cx="0" cy="0"/>
         </a:xfrm>
       </p:grpSpPr>
-      <p:sp>
-        <p:nvSpPr>
-          <p:cNvPr id="6" name="矩形 5">
-            <a:extLst>
-              <a:ext uri="{FF2B5EF4-FFF2-40B4-BE49-F238E27FC236}">
-                <a16:creationId xmlns:a16="http://schemas.microsoft.com/office/drawing/2014/main" id="{94BFEE07-F7FA-4D0A-A367-C3CC4013F495}"/>
-              </a:ext>
-            </a:extLst>
-          </p:cNvPr>
-          <p:cNvSpPr/>
-          <p:nvPr/>
-        </p:nvSpPr>
-        <p:spPr>
-          <a:xfrm>
-            <a:off x="587058" y="953159"/>
-            <a:ext cx="1085332" cy="1714786"/>
-          </a:xfrm>
-          <a:prstGeom prst="rect">
-            <a:avLst/>
-          </a:prstGeom>
-          <a:noFill/>
-          <a:ln w="38100">
-            <a:solidFill>
-              <a:srgbClr val="FF0000"/>
-            </a:solidFill>
-          </a:ln>
-        </p:spPr>
-        <p:style>
-          <a:lnRef idx="2">
-            <a:schemeClr val="accent1">
-              <a:shade val="50000"/>
-            </a:schemeClr>
-          </a:lnRef>
-          <a:fillRef idx="1">
-            <a:schemeClr val="accent1"/>
-          </a:fillRef>
-          <a:effectRef idx="0">
-            <a:schemeClr val="accent1"/>
-          </a:effectRef>
-          <a:fontRef idx="minor">
-            <a:schemeClr val="lt1"/>
-          </a:fontRef>
-        </p:style>
-        <p:txBody>
-          <a:bodyPr rtlCol="0" anchor="ctr"/>
-          <a:lstStyle/>
-          <a:p>
-            <a:pPr algn="ctr"/>
-            <a:endParaRPr lang="zh-CN" altLang="en-US" sz="1903"/>
-          </a:p>
-        </p:txBody>
-      </p:sp>
       <p:pic>
         <p:nvPicPr>
           <p:cNvPr id="3" name="图片 2" descr="黑色的电子设备&#10;&#10;描述已自动生成">
@@ -3580,7 +3528,7 @@
         </p:blipFill>
         <p:spPr>
           <a:xfrm>
-            <a:off x="1761057" y="865698"/>
+            <a:off x="0" y="264119"/>
             <a:ext cx="1892097" cy="2647523"/>
           </a:xfrm>
           <a:prstGeom prst="rect">
@@ -3588,6 +3536,280 @@
           </a:prstGeom>
         </p:spPr>
       </p:pic>
+      <p:pic>
+        <p:nvPicPr>
+          <p:cNvPr id="2" name="图片 1" descr="黑色的电子设备&#10;&#10;描述已自动生成">
+            <a:extLst>
+              <a:ext uri="{FF2B5EF4-FFF2-40B4-BE49-F238E27FC236}">
+                <a16:creationId xmlns:a16="http://schemas.microsoft.com/office/drawing/2014/main" id="{DBE43D74-E442-4217-817D-1E8847897DA2}"/>
+              </a:ext>
+            </a:extLst>
+          </p:cNvPr>
+          <p:cNvPicPr>
+            <a:picLocks noChangeAspect="1"/>
+          </p:cNvPicPr>
+          <p:nvPr/>
+        </p:nvPicPr>
+        <p:blipFill>
+          <a:blip r:embed="rId2">
+            <a:extLst>
+              <a:ext uri="{28A0092B-C50C-407E-A947-70E740481C1C}">
+                <a14:useLocalDpi xmlns:a14="http://schemas.microsoft.com/office/drawing/2010/main" val="0"/>
+              </a:ext>
+            </a:extLst>
+          </a:blip>
+          <a:stretch>
+            <a:fillRect/>
+          </a:stretch>
+        </p:blipFill>
+        <p:spPr>
+          <a:xfrm>
+            <a:off x="2092817" y="264119"/>
+            <a:ext cx="1892097" cy="2647523"/>
+          </a:xfrm>
+          <a:prstGeom prst="rect">
+            <a:avLst/>
+          </a:prstGeom>
+        </p:spPr>
+      </p:pic>
+      <p:grpSp>
+        <p:nvGrpSpPr>
+          <p:cNvPr id="11" name="组合 10">
+            <a:extLst>
+              <a:ext uri="{FF2B5EF4-FFF2-40B4-BE49-F238E27FC236}">
+                <a16:creationId xmlns:a16="http://schemas.microsoft.com/office/drawing/2014/main" id="{C916117E-94EA-49FD-86A6-04AFC2D84657}"/>
+              </a:ext>
+            </a:extLst>
+          </p:cNvPr>
+          <p:cNvGrpSpPr/>
+          <p:nvPr/>
+        </p:nvGrpSpPr>
+        <p:grpSpPr>
+          <a:xfrm>
+            <a:off x="446670" y="789399"/>
+            <a:ext cx="1057277" cy="570170"/>
+            <a:chOff x="2128718" y="0"/>
+            <a:chExt cx="5176067" cy="3666967"/>
+          </a:xfrm>
+        </p:grpSpPr>
+        <p:sp>
+          <p:nvSpPr>
+            <p:cNvPr id="6" name="矩形 5">
+              <a:extLst>
+                <a:ext uri="{FF2B5EF4-FFF2-40B4-BE49-F238E27FC236}">
+                  <a16:creationId xmlns:a16="http://schemas.microsoft.com/office/drawing/2014/main" id="{94BFEE07-F7FA-4D0A-A367-C3CC4013F495}"/>
+                </a:ext>
+              </a:extLst>
+            </p:cNvPr>
+            <p:cNvSpPr/>
+            <p:nvPr/>
+          </p:nvSpPr>
+          <p:spPr>
+            <a:xfrm>
+              <a:off x="2128718" y="0"/>
+              <a:ext cx="5176067" cy="3666967"/>
+            </a:xfrm>
+            <a:prstGeom prst="rect">
+              <a:avLst/>
+            </a:prstGeom>
+            <a:noFill/>
+            <a:ln w="38100">
+              <a:solidFill>
+                <a:srgbClr val="FF0000"/>
+              </a:solidFill>
+            </a:ln>
+          </p:spPr>
+          <p:style>
+            <a:lnRef idx="2">
+              <a:schemeClr val="accent1">
+                <a:shade val="50000"/>
+              </a:schemeClr>
+            </a:lnRef>
+            <a:fillRef idx="1">
+              <a:schemeClr val="accent1"/>
+            </a:fillRef>
+            <a:effectRef idx="0">
+              <a:schemeClr val="accent1"/>
+            </a:effectRef>
+            <a:fontRef idx="minor">
+              <a:schemeClr val="lt1"/>
+            </a:fontRef>
+          </p:style>
+          <p:txBody>
+            <a:bodyPr rtlCol="0" anchor="ctr"/>
+            <a:lstStyle/>
+            <a:p>
+              <a:pPr algn="ctr"/>
+              <a:endParaRPr lang="zh-CN" altLang="en-US" sz="1903"/>
+            </a:p>
+          </p:txBody>
+        </p:sp>
+        <p:sp>
+          <p:nvSpPr>
+            <p:cNvPr id="8" name="矩形 7">
+              <a:extLst>
+                <a:ext uri="{FF2B5EF4-FFF2-40B4-BE49-F238E27FC236}">
+                  <a16:creationId xmlns:a16="http://schemas.microsoft.com/office/drawing/2014/main" id="{8A6146C1-C7D1-4FBA-953C-73C2B52BBFA4}"/>
+                </a:ext>
+              </a:extLst>
+            </p:cNvPr>
+            <p:cNvSpPr/>
+            <p:nvPr/>
+          </p:nvSpPr>
+          <p:spPr>
+            <a:xfrm>
+              <a:off x="2140750" y="24064"/>
+              <a:ext cx="2322966" cy="1106905"/>
+            </a:xfrm>
+            <a:prstGeom prst="rect">
+              <a:avLst/>
+            </a:prstGeom>
+          </p:spPr>
+          <p:style>
+            <a:lnRef idx="2">
+              <a:schemeClr val="accent1">
+                <a:shade val="50000"/>
+              </a:schemeClr>
+            </a:lnRef>
+            <a:fillRef idx="1">
+              <a:schemeClr val="accent1"/>
+            </a:fillRef>
+            <a:effectRef idx="0">
+              <a:schemeClr val="accent1"/>
+            </a:effectRef>
+            <a:fontRef idx="minor">
+              <a:schemeClr val="lt1"/>
+            </a:fontRef>
+          </p:style>
+          <p:txBody>
+            <a:bodyPr rtlCol="0" anchor="ctr"/>
+            <a:lstStyle/>
+            <a:p>
+              <a:pPr algn="ctr"/>
+              <a:endParaRPr lang="zh-CN" altLang="en-US"/>
+            </a:p>
+          </p:txBody>
+        </p:sp>
+      </p:grpSp>
+      <p:grpSp>
+        <p:nvGrpSpPr>
+          <p:cNvPr id="12" name="组合 11">
+            <a:extLst>
+              <a:ext uri="{FF2B5EF4-FFF2-40B4-BE49-F238E27FC236}">
+                <a16:creationId xmlns:a16="http://schemas.microsoft.com/office/drawing/2014/main" id="{EFF89309-4ACD-47BA-AC9C-7A80A1C5CD87}"/>
+              </a:ext>
+            </a:extLst>
+          </p:cNvPr>
+          <p:cNvGrpSpPr/>
+          <p:nvPr/>
+        </p:nvGrpSpPr>
+        <p:grpSpPr>
+          <a:xfrm>
+            <a:off x="2525758" y="777368"/>
+            <a:ext cx="1059653" cy="582202"/>
+            <a:chOff x="2128718" y="4259178"/>
+            <a:chExt cx="10107398" cy="6858001"/>
+          </a:xfrm>
+        </p:grpSpPr>
+        <p:sp>
+          <p:nvSpPr>
+            <p:cNvPr id="5" name="矩形 4">
+              <a:extLst>
+                <a:ext uri="{FF2B5EF4-FFF2-40B4-BE49-F238E27FC236}">
+                  <a16:creationId xmlns:a16="http://schemas.microsoft.com/office/drawing/2014/main" id="{939409E6-9E86-4C2B-8D5C-10A80A71036D}"/>
+                </a:ext>
+              </a:extLst>
+            </p:cNvPr>
+            <p:cNvSpPr/>
+            <p:nvPr/>
+          </p:nvSpPr>
+          <p:spPr>
+            <a:xfrm>
+              <a:off x="2128718" y="4259178"/>
+              <a:ext cx="10107398" cy="6858001"/>
+            </a:xfrm>
+            <a:prstGeom prst="rect">
+              <a:avLst/>
+            </a:prstGeom>
+            <a:noFill/>
+            <a:ln w="38100">
+              <a:solidFill>
+                <a:srgbClr val="FF0000"/>
+              </a:solidFill>
+            </a:ln>
+          </p:spPr>
+          <p:style>
+            <a:lnRef idx="2">
+              <a:schemeClr val="accent1">
+                <a:shade val="50000"/>
+              </a:schemeClr>
+            </a:lnRef>
+            <a:fillRef idx="1">
+              <a:schemeClr val="accent1"/>
+            </a:fillRef>
+            <a:effectRef idx="0">
+              <a:schemeClr val="accent1"/>
+            </a:effectRef>
+            <a:fontRef idx="minor">
+              <a:schemeClr val="lt1"/>
+            </a:fontRef>
+          </p:style>
+          <p:txBody>
+            <a:bodyPr rtlCol="0" anchor="ctr"/>
+            <a:lstStyle/>
+            <a:p>
+              <a:pPr algn="ctr"/>
+              <a:endParaRPr lang="zh-CN" altLang="en-US" sz="1903"/>
+            </a:p>
+          </p:txBody>
+        </p:sp>
+        <p:sp>
+          <p:nvSpPr>
+            <p:cNvPr id="10" name="矩形 9">
+              <a:extLst>
+                <a:ext uri="{FF2B5EF4-FFF2-40B4-BE49-F238E27FC236}">
+                  <a16:creationId xmlns:a16="http://schemas.microsoft.com/office/drawing/2014/main" id="{0EEA7235-C790-4E33-A89D-7012F7526B2A}"/>
+                </a:ext>
+              </a:extLst>
+            </p:cNvPr>
+            <p:cNvSpPr/>
+            <p:nvPr/>
+          </p:nvSpPr>
+          <p:spPr>
+            <a:xfrm>
+              <a:off x="2140750" y="4259178"/>
+              <a:ext cx="2322966" cy="1106905"/>
+            </a:xfrm>
+            <a:prstGeom prst="rect">
+              <a:avLst/>
+            </a:prstGeom>
+          </p:spPr>
+          <p:style>
+            <a:lnRef idx="2">
+              <a:schemeClr val="accent1">
+                <a:shade val="50000"/>
+              </a:schemeClr>
+            </a:lnRef>
+            <a:fillRef idx="1">
+              <a:schemeClr val="accent1"/>
+            </a:fillRef>
+            <a:effectRef idx="0">
+              <a:schemeClr val="accent1"/>
+            </a:effectRef>
+            <a:fontRef idx="minor">
+              <a:schemeClr val="lt1"/>
+            </a:fontRef>
+          </p:style>
+          <p:txBody>
+            <a:bodyPr rtlCol="0" anchor="ctr"/>
+            <a:lstStyle/>
+            <a:p>
+              <a:pPr algn="ctr"/>
+              <a:endParaRPr lang="zh-CN" altLang="en-US"/>
+            </a:p>
+          </p:txBody>
+        </p:sp>
+      </p:grpSp>
     </p:spTree>
     <p:extLst>
       <p:ext uri="{BB962C8B-B14F-4D97-AF65-F5344CB8AC3E}">
